--- a/2024/5月/09-05-2024.pptx
+++ b/2024/5月/09-05-2024.pptx
@@ -33,19 +33,28 @@
     <p:sldId id="282" r:id="rId27"/>
     <p:sldId id="283" r:id="rId28"/>
     <p:sldId id="284" r:id="rId29"/>
-    <p:sldId id="285" r:id="rId30"/>
-    <p:sldId id="286" r:id="rId31"/>
-    <p:sldId id="287" r:id="rId32"/>
-    <p:sldId id="288" r:id="rId33"/>
-    <p:sldId id="289" r:id="rId34"/>
-    <p:sldId id="290" r:id="rId35"/>
-    <p:sldId id="291" r:id="rId36"/>
-    <p:sldId id="292" r:id="rId37"/>
-    <p:sldId id="294" r:id="rId38"/>
-    <p:sldId id="295" r:id="rId39"/>
-    <p:sldId id="296" r:id="rId40"/>
-    <p:sldId id="297" r:id="rId41"/>
-    <p:sldId id="293" r:id="rId42"/>
+    <p:sldId id="298" r:id="rId30"/>
+    <p:sldId id="299" r:id="rId31"/>
+    <p:sldId id="300" r:id="rId32"/>
+    <p:sldId id="301" r:id="rId33"/>
+    <p:sldId id="302" r:id="rId34"/>
+    <p:sldId id="303" r:id="rId35"/>
+    <p:sldId id="304" r:id="rId36"/>
+    <p:sldId id="305" r:id="rId37"/>
+    <p:sldId id="306" r:id="rId38"/>
+    <p:sldId id="285" r:id="rId39"/>
+    <p:sldId id="286" r:id="rId40"/>
+    <p:sldId id="287" r:id="rId41"/>
+    <p:sldId id="288" r:id="rId42"/>
+    <p:sldId id="289" r:id="rId43"/>
+    <p:sldId id="290" r:id="rId44"/>
+    <p:sldId id="291" r:id="rId45"/>
+    <p:sldId id="292" r:id="rId46"/>
+    <p:sldId id="294" r:id="rId47"/>
+    <p:sldId id="295" r:id="rId48"/>
+    <p:sldId id="296" r:id="rId49"/>
+    <p:sldId id="297" r:id="rId50"/>
+    <p:sldId id="293" r:id="rId51"/>
   </p:sldIdLst>
   <p:sldSz cx="12192000" cy="6858000"/>
   <p:notesSz cx="6858000" cy="9144000"/>
@@ -144,6 +153,11 @@
       </a:defRPr>
     </a:lvl9pPr>
   </p:defaultTextStyle>
+  <p:extLst>
+    <p:ext uri="{EFAFB233-063F-42B5-8137-9DF3F51BA10A}">
+      <p15:sldGuideLst xmlns:p15="http://schemas.microsoft.com/office/powerpoint/2012/main"/>
+    </p:ext>
+  </p:extLst>
 </p:presentation>
 </file>
 
@@ -6456,137 +6470,50 @@
       </p:grpSpPr>
       <p:sp>
         <p:nvSpPr>
-          <p:cNvPr id="5" name="內容版面配置區 4"/>
+          <p:cNvPr id="4" name="標題 3"/>
           <p:cNvSpPr>
             <a:spLocks noGrp="1"/>
           </p:cNvSpPr>
           <p:nvPr>
-            <p:ph idx="1"/>
+            <p:ph type="title"/>
           </p:nvPr>
         </p:nvSpPr>
         <p:spPr>
           <a:xfrm>
-            <a:off x="0" y="2084851"/>
-            <a:ext cx="12192000" cy="2404863"/>
-          </a:xfrm>
-        </p:spPr>
-        <p:txBody>
-          <a:bodyPr anchor="ctr">
-            <a:normAutofit/>
+            <a:off x="0" y="2660915"/>
+            <a:ext cx="12192000" cy="1143000"/>
+          </a:xfrm>
+        </p:spPr>
+        <p:txBody>
+          <a:bodyPr>
+            <a:noAutofit/>
           </a:bodyPr>
           <a:lstStyle/>
           <a:p>
-            <a:pPr algn="ctr">
-              <a:buNone/>
-            </a:pPr>
-            <a:r>
-              <a:rPr lang="zh-TW" altLang="en-US" sz="6400" b="1" dirty="0">
-                <a:solidFill>
-                  <a:srgbClr val="660033"/>
-                </a:solidFill>
-                <a:latin typeface="微軟正黑體" pitchFamily="34" charset="-120"/>
-                <a:ea typeface="微軟正黑體" pitchFamily="34" charset="-120"/>
-              </a:rPr>
-              <a:t>今日  我求問主的國 </a:t>
-            </a:r>
-            <a:endParaRPr lang="en-US" altLang="zh-TW" sz="6400" b="1" dirty="0">
-              <a:solidFill>
-                <a:srgbClr val="660033"/>
-              </a:solidFill>
-              <a:latin typeface="微軟正黑體" pitchFamily="34" charset="-120"/>
-              <a:ea typeface="微軟正黑體" pitchFamily="34" charset="-120"/>
-            </a:endParaRPr>
-          </a:p>
-          <a:p>
-            <a:pPr algn="ctr">
-              <a:buNone/>
-            </a:pPr>
-            <a:r>
-              <a:rPr lang="zh-TW" altLang="en-US" sz="6400" b="1" dirty="0">
-                <a:solidFill>
-                  <a:srgbClr val="660033"/>
-                </a:solidFill>
-                <a:latin typeface="微軟正黑體" pitchFamily="34" charset="-120"/>
-                <a:ea typeface="微軟正黑體" pitchFamily="34" charset="-120"/>
-              </a:rPr>
-              <a:t>求問主的義</a:t>
-            </a:r>
-            <a:endParaRPr lang="en-US" sz="6400" b="1" dirty="0">
-              <a:solidFill>
-                <a:srgbClr val="660033"/>
-              </a:solidFill>
-              <a:latin typeface="微軟正黑體" pitchFamily="34" charset="-120"/>
-              <a:ea typeface="微軟正黑體" pitchFamily="34" charset="-120"/>
-            </a:endParaRPr>
-          </a:p>
-        </p:txBody>
-      </p:sp>
-      <p:sp>
-        <p:nvSpPr>
-          <p:cNvPr id="2" name="TextBox 1"/>
-          <p:cNvSpPr txBox="1"/>
-          <p:nvPr/>
-        </p:nvSpPr>
-        <p:spPr>
-          <a:xfrm>
-            <a:off x="0" y="5158596"/>
-            <a:ext cx="12192000" cy="584775"/>
-          </a:xfrm>
-          <a:prstGeom prst="rect">
-            <a:avLst/>
-          </a:prstGeom>
-          <a:noFill/>
-        </p:spPr>
-        <p:txBody>
-          <a:bodyPr wrap="square" rtlCol="0">
-            <a:spAutoFit/>
-          </a:bodyPr>
-          <a:lstStyle/>
-          <a:p>
-            <a:pPr algn="ctr"/>
-            <a:r>
-              <a:rPr lang="en-US" sz="3200" b="1" dirty="0">
-                <a:solidFill>
-                  <a:srgbClr val="660033"/>
-                </a:solidFill>
-                <a:latin typeface="Microsoft JhengHei" panose="020B0604030504040204" pitchFamily="34" charset="-120"/>
-                <a:ea typeface="Microsoft JhengHei" panose="020B0604030504040204" pitchFamily="34" charset="-120"/>
-              </a:rPr>
-              <a:t>( </a:t>
-            </a:r>
-            <a:r>
-              <a:rPr lang="zh-CN" altLang="en-US" sz="3200" b="1" dirty="0">
-                <a:solidFill>
-                  <a:srgbClr val="660033"/>
-                </a:solidFill>
-                <a:latin typeface="Microsoft JhengHei" panose="020B0604030504040204" pitchFamily="34" charset="-120"/>
-                <a:ea typeface="Microsoft JhengHei" panose="020B0604030504040204" pitchFamily="34" charset="-120"/>
-              </a:rPr>
-              <a:t>正歌</a:t>
-            </a:r>
-            <a:r>
-              <a:rPr lang="en-US" sz="3200" b="1" dirty="0">
-                <a:solidFill>
-                  <a:srgbClr val="660033"/>
-                </a:solidFill>
-                <a:latin typeface="Microsoft JhengHei" panose="020B0604030504040204" pitchFamily="34" charset="-120"/>
-                <a:ea typeface="Microsoft JhengHei" panose="020B0604030504040204" pitchFamily="34" charset="-120"/>
-              </a:rPr>
-              <a:t> 2 )</a:t>
-            </a:r>
-            <a:endParaRPr lang="vi-VN" sz="3200" b="1" dirty="0">
-              <a:solidFill>
-                <a:srgbClr val="660033"/>
-              </a:solidFill>
-              <a:ea typeface="Microsoft JhengHei" panose="020B0604030504040204" pitchFamily="34" charset="-120"/>
-            </a:endParaRPr>
+            <a:r>
+              <a:rPr lang="zh-TW" altLang="en-US" sz="7200" b="1" i="1" dirty="0">
+                <a:solidFill>
+                  <a:srgbClr val="660033"/>
+                </a:solidFill>
+                <a:effectLst>
+                  <a:outerShdw blurRad="38100" dist="38100" dir="2700000" algn="tl">
+                    <a:srgbClr val="000000">
+                      <a:alpha val="43137"/>
+                    </a:srgbClr>
+                  </a:outerShdw>
+                </a:effectLst>
+                <a:latin typeface="微軟正黑體" pitchFamily="34" charset="-120"/>
+                <a:ea typeface="微軟正黑體" pitchFamily="34" charset="-120"/>
+              </a:rPr>
+              <a:t>主禱文</a:t>
+            </a:r>
           </a:p>
         </p:txBody>
       </p:sp>
     </p:spTree>
     <p:extLst>
       <p:ext uri="{BB962C8B-B14F-4D97-AF65-F5344CB8AC3E}">
-        <p14:creationId xmlns:p14="http://schemas.microsoft.com/office/powerpoint/2010/main" val="3262336203"/>
+        <p14:creationId xmlns:p14="http://schemas.microsoft.com/office/powerpoint/2010/main" val="1378068486"/>
       </p:ext>
     </p:extLst>
   </p:cSld>
@@ -6828,9 +6755,29 @@
                 <a:latin typeface="微軟正黑體" pitchFamily="34" charset="-120"/>
                 <a:ea typeface="微軟正黑體" pitchFamily="34" charset="-120"/>
               </a:rPr>
-              <a:t>王的旨意</a:t>
-            </a:r>
-            <a:endParaRPr lang="en-US" altLang="zh-TW" sz="6400" b="1" dirty="0">
+              <a:t>天父祢名是多麼美 </a:t>
+            </a:r>
+            <a:r>
+              <a:rPr lang="en-US" altLang="zh-TW" sz="6400" b="1" dirty="0">
+                <a:solidFill>
+                  <a:srgbClr val="660033"/>
+                </a:solidFill>
+                <a:latin typeface="微軟正黑體" pitchFamily="34" charset="-120"/>
+                <a:ea typeface="微軟正黑體" pitchFamily="34" charset="-120"/>
+              </a:rPr>
+              <a:t>  </a:t>
+            </a:r>
+            <a:r>
+              <a:rPr lang="zh-TW" altLang="en-US" sz="6400" b="1" dirty="0">
+                <a:solidFill>
+                  <a:srgbClr val="660033"/>
+                </a:solidFill>
+                <a:latin typeface="微軟正黑體" pitchFamily="34" charset="-120"/>
+                <a:ea typeface="微軟正黑體" pitchFamily="34" charset="-120"/>
+              </a:rPr>
+              <a:t>榮耀遍全地</a:t>
+            </a:r>
+            <a:endParaRPr lang="en-US" sz="6400" b="1" dirty="0">
               <a:solidFill>
                 <a:srgbClr val="660033"/>
               </a:solidFill>
@@ -6850,7 +6797,7 @@
                 <a:latin typeface="微軟正黑體" pitchFamily="34" charset="-120"/>
                 <a:ea typeface="微軟正黑體" pitchFamily="34" charset="-120"/>
               </a:rPr>
-              <a:t>如陽光遍地彰顯</a:t>
+              <a:t>在禱告良辰 靜觀祢的美</a:t>
             </a:r>
             <a:endParaRPr lang="en-US" altLang="zh-TW" sz="6400" b="1" dirty="0">
               <a:solidFill>
@@ -6913,7 +6860,7 @@
                 <a:latin typeface="Microsoft JhengHei" panose="020B0604030504040204" pitchFamily="34" charset="-120"/>
                 <a:ea typeface="Microsoft JhengHei" panose="020B0604030504040204" pitchFamily="34" charset="-120"/>
               </a:rPr>
-              <a:t> 2 )</a:t>
+              <a:t> 1 )</a:t>
             </a:r>
             <a:endParaRPr lang="vi-VN" sz="3200" b="1" dirty="0">
               <a:solidFill>
@@ -6927,7 +6874,7 @@
     </p:spTree>
     <p:extLst>
       <p:ext uri="{BB962C8B-B14F-4D97-AF65-F5344CB8AC3E}">
-        <p14:creationId xmlns:p14="http://schemas.microsoft.com/office/powerpoint/2010/main" val="1364878723"/>
+        <p14:creationId xmlns:p14="http://schemas.microsoft.com/office/powerpoint/2010/main" val="4231300727"/>
       </p:ext>
     </p:extLst>
   </p:cSld>
@@ -6987,9 +6934,9 @@
                 <a:latin typeface="微軟正黑體" pitchFamily="34" charset="-120"/>
                 <a:ea typeface="微軟正黑體" pitchFamily="34" charset="-120"/>
               </a:rPr>
-              <a:t>願人都尊祢名為聖</a:t>
-            </a:r>
-            <a:endParaRPr lang="en-US" sz="6400" b="1" dirty="0">
+              <a:t>恬靜 我沈默主座前  毋用多片言</a:t>
+            </a:r>
+            <a:endParaRPr lang="en-US" altLang="zh-TW" sz="6400" b="1" dirty="0">
               <a:solidFill>
                 <a:srgbClr val="660033"/>
               </a:solidFill>
@@ -7009,9 +6956,9 @@
                 <a:latin typeface="微軟正黑體" pitchFamily="34" charset="-120"/>
                 <a:ea typeface="微軟正黑體" pitchFamily="34" charset="-120"/>
               </a:rPr>
-              <a:t>願祢的國降臨</a:t>
-            </a:r>
-            <a:endParaRPr lang="en-US" sz="6400" b="1" dirty="0">
+              <a:t>在禱告前  祢已清楚我需要</a:t>
+            </a:r>
+            <a:endParaRPr lang="en-US" altLang="zh-TW" sz="6400" b="1" dirty="0">
               <a:solidFill>
                 <a:srgbClr val="660033"/>
               </a:solidFill>
@@ -7062,7 +7009,7 @@
                 <a:latin typeface="Microsoft JhengHei" panose="020B0604030504040204" pitchFamily="34" charset="-120"/>
                 <a:ea typeface="Microsoft JhengHei" panose="020B0604030504040204" pitchFamily="34" charset="-120"/>
               </a:rPr>
-              <a:t>副歌</a:t>
+              <a:t>正歌</a:t>
             </a:r>
             <a:r>
               <a:rPr lang="en-US" sz="3200" b="1" dirty="0">
@@ -7072,7 +7019,7 @@
                 <a:latin typeface="Microsoft JhengHei" panose="020B0604030504040204" pitchFamily="34" charset="-120"/>
                 <a:ea typeface="Microsoft JhengHei" panose="020B0604030504040204" pitchFamily="34" charset="-120"/>
               </a:rPr>
-              <a:t> )</a:t>
+              <a:t> 1 )</a:t>
             </a:r>
             <a:endParaRPr lang="vi-VN" sz="3200" b="1" dirty="0">
               <a:solidFill>
@@ -7086,7 +7033,7 @@
     </p:spTree>
     <p:extLst>
       <p:ext uri="{BB962C8B-B14F-4D97-AF65-F5344CB8AC3E}">
-        <p14:creationId xmlns:p14="http://schemas.microsoft.com/office/powerpoint/2010/main" val="1417603916"/>
+        <p14:creationId xmlns:p14="http://schemas.microsoft.com/office/powerpoint/2010/main" val="3409510168"/>
       </p:ext>
     </p:extLst>
   </p:cSld>
@@ -7146,7 +7093,7 @@
                 <a:latin typeface="微軟正黑體" pitchFamily="34" charset="-120"/>
                 <a:ea typeface="微軟正黑體" pitchFamily="34" charset="-120"/>
               </a:rPr>
-              <a:t>也願祢旨意行在地上</a:t>
+              <a:t>求賜我信心的眼睛</a:t>
             </a:r>
             <a:endParaRPr lang="en-US" sz="6400" b="1" dirty="0">
               <a:solidFill>
@@ -7168,9 +7115,9 @@
                 <a:latin typeface="微軟正黑體" pitchFamily="34" charset="-120"/>
                 <a:ea typeface="微軟正黑體" pitchFamily="34" charset="-120"/>
               </a:rPr>
-              <a:t>如同行在天上</a:t>
-            </a:r>
-            <a:endParaRPr lang="en-US" altLang="zh-TW" sz="6400" b="1" dirty="0">
+              <a:t>風暴裡仍舊恬靜</a:t>
+            </a:r>
+            <a:endParaRPr lang="en-US" sz="6400" b="1" dirty="0">
               <a:solidFill>
                 <a:srgbClr val="660033"/>
               </a:solidFill>
@@ -7221,7 +7168,7 @@
                 <a:latin typeface="Microsoft JhengHei" panose="020B0604030504040204" pitchFamily="34" charset="-120"/>
                 <a:ea typeface="Microsoft JhengHei" panose="020B0604030504040204" pitchFamily="34" charset="-120"/>
               </a:rPr>
-              <a:t>副歌</a:t>
+              <a:t>前副歌</a:t>
             </a:r>
             <a:r>
               <a:rPr lang="en-US" sz="3200" b="1" dirty="0">
@@ -7245,7 +7192,7 @@
     </p:spTree>
     <p:extLst>
       <p:ext uri="{BB962C8B-B14F-4D97-AF65-F5344CB8AC3E}">
-        <p14:creationId xmlns:p14="http://schemas.microsoft.com/office/powerpoint/2010/main" val="448163801"/>
+        <p14:creationId xmlns:p14="http://schemas.microsoft.com/office/powerpoint/2010/main" val="1729703289"/>
       </p:ext>
     </p:extLst>
   </p:cSld>
@@ -7305,7 +7252,7 @@
                 <a:latin typeface="微軟正黑體" pitchFamily="34" charset="-120"/>
                 <a:ea typeface="微軟正黑體" pitchFamily="34" charset="-120"/>
               </a:rPr>
-              <a:t>我們當天所需要的食物</a:t>
+              <a:t>全獻我順服的心靈</a:t>
             </a:r>
             <a:endParaRPr lang="en-US" sz="6400" b="1" dirty="0">
               <a:solidFill>
@@ -7327,7 +7274,7 @@
                 <a:latin typeface="微軟正黑體" pitchFamily="34" charset="-120"/>
                 <a:ea typeface="微軟正黑體" pitchFamily="34" charset="-120"/>
               </a:rPr>
-              <a:t>求祢賜給我們</a:t>
+              <a:t>由祢全權來帶領</a:t>
             </a:r>
             <a:endParaRPr lang="en-US" sz="6400" b="1" dirty="0">
               <a:solidFill>
@@ -7380,7 +7327,7 @@
                 <a:latin typeface="Microsoft JhengHei" panose="020B0604030504040204" pitchFamily="34" charset="-120"/>
                 <a:ea typeface="Microsoft JhengHei" panose="020B0604030504040204" pitchFamily="34" charset="-120"/>
               </a:rPr>
-              <a:t>副歌</a:t>
+              <a:t>前副歌</a:t>
             </a:r>
             <a:r>
               <a:rPr lang="en-US" sz="3200" b="1" dirty="0">
@@ -7404,7 +7351,7 @@
     </p:spTree>
     <p:extLst>
       <p:ext uri="{BB962C8B-B14F-4D97-AF65-F5344CB8AC3E}">
-        <p14:creationId xmlns:p14="http://schemas.microsoft.com/office/powerpoint/2010/main" val="3820148921"/>
+        <p14:creationId xmlns:p14="http://schemas.microsoft.com/office/powerpoint/2010/main" val="1580547631"/>
       </p:ext>
     </p:extLst>
   </p:cSld>
@@ -7464,7 +7411,7 @@
                 <a:latin typeface="微軟正黑體" pitchFamily="34" charset="-120"/>
                 <a:ea typeface="微軟正黑體" pitchFamily="34" charset="-120"/>
               </a:rPr>
-              <a:t>免我們的債</a:t>
+              <a:t>願人都尊祢名為聖</a:t>
             </a:r>
             <a:endParaRPr lang="en-US" sz="6400" b="1" dirty="0">
               <a:solidFill>
@@ -7486,9 +7433,9 @@
                 <a:latin typeface="微軟正黑體" pitchFamily="34" charset="-120"/>
                 <a:ea typeface="微軟正黑體" pitchFamily="34" charset="-120"/>
               </a:rPr>
-              <a:t>如同我們免去人的債</a:t>
-            </a:r>
-            <a:endParaRPr lang="en-US" altLang="zh-TW" sz="6400" b="1" dirty="0">
+              <a:t>願祢的國降臨</a:t>
+            </a:r>
+            <a:endParaRPr lang="en-US" sz="6400" b="1" dirty="0">
               <a:solidFill>
                 <a:srgbClr val="660033"/>
               </a:solidFill>
@@ -7563,7 +7510,7 @@
     </p:spTree>
     <p:extLst>
       <p:ext uri="{BB962C8B-B14F-4D97-AF65-F5344CB8AC3E}">
-        <p14:creationId xmlns:p14="http://schemas.microsoft.com/office/powerpoint/2010/main" val="1707779820"/>
+        <p14:creationId xmlns:p14="http://schemas.microsoft.com/office/powerpoint/2010/main" val="1969008760"/>
       </p:ext>
     </p:extLst>
   </p:cSld>
@@ -7623,9 +7570,9 @@
                 <a:latin typeface="微軟正黑體" pitchFamily="34" charset="-120"/>
                 <a:ea typeface="微軟正黑體" pitchFamily="34" charset="-120"/>
               </a:rPr>
-              <a:t>不叫我們遇見試探 </a:t>
-            </a:r>
-            <a:endParaRPr lang="en-US" altLang="zh-TW" sz="6400" b="1" dirty="0">
+              <a:t>也願祢旨意行在地上</a:t>
+            </a:r>
+            <a:endParaRPr lang="en-US" sz="6400" b="1" dirty="0">
               <a:solidFill>
                 <a:srgbClr val="660033"/>
               </a:solidFill>
@@ -7645,7 +7592,7 @@
                 <a:latin typeface="微軟正黑體" pitchFamily="34" charset="-120"/>
                 <a:ea typeface="微軟正黑體" pitchFamily="34" charset="-120"/>
               </a:rPr>
-              <a:t>救我們脫離凶惡</a:t>
+              <a:t>如同行在天上</a:t>
             </a:r>
             <a:endParaRPr lang="en-US" altLang="zh-TW" sz="6400" b="1" dirty="0">
               <a:solidFill>
@@ -7698,7 +7645,7 @@
                 <a:latin typeface="Microsoft JhengHei" panose="020B0604030504040204" pitchFamily="34" charset="-120"/>
                 <a:ea typeface="Microsoft JhengHei" panose="020B0604030504040204" pitchFamily="34" charset="-120"/>
               </a:rPr>
-              <a:t>橋</a:t>
+              <a:t>副歌</a:t>
             </a:r>
             <a:r>
               <a:rPr lang="en-US" sz="3200" b="1" dirty="0">
@@ -7722,7 +7669,7 @@
     </p:spTree>
     <p:extLst>
       <p:ext uri="{BB962C8B-B14F-4D97-AF65-F5344CB8AC3E}">
-        <p14:creationId xmlns:p14="http://schemas.microsoft.com/office/powerpoint/2010/main" val="3556392501"/>
+        <p14:creationId xmlns:p14="http://schemas.microsoft.com/office/powerpoint/2010/main" val="1465245544"/>
       </p:ext>
     </p:extLst>
   </p:cSld>
@@ -7782,9 +7729,9 @@
                 <a:latin typeface="微軟正黑體" pitchFamily="34" charset="-120"/>
                 <a:ea typeface="微軟正黑體" pitchFamily="34" charset="-120"/>
               </a:rPr>
-              <a:t>因國度權柄榮耀 </a:t>
-            </a:r>
-            <a:endParaRPr lang="en-US" altLang="zh-TW" sz="6400" b="1" dirty="0">
+              <a:t>我們當天所需要的食物</a:t>
+            </a:r>
+            <a:endParaRPr lang="en-US" sz="6400" b="1" dirty="0">
               <a:solidFill>
                 <a:srgbClr val="660033"/>
               </a:solidFill>
@@ -7804,9 +7751,9 @@
                 <a:latin typeface="微軟正黑體" pitchFamily="34" charset="-120"/>
                 <a:ea typeface="微軟正黑體" pitchFamily="34" charset="-120"/>
               </a:rPr>
-              <a:t>全屬祢直到永遠</a:t>
-            </a:r>
-            <a:endParaRPr lang="en-US" altLang="zh-TW" sz="6400" b="1" dirty="0">
+              <a:t>求祢賜給我們</a:t>
+            </a:r>
+            <a:endParaRPr lang="en-US" sz="6400" b="1" dirty="0">
               <a:solidFill>
                 <a:srgbClr val="660033"/>
               </a:solidFill>
@@ -7857,7 +7804,7 @@
                 <a:latin typeface="Microsoft JhengHei" panose="020B0604030504040204" pitchFamily="34" charset="-120"/>
                 <a:ea typeface="Microsoft JhengHei" panose="020B0604030504040204" pitchFamily="34" charset="-120"/>
               </a:rPr>
-              <a:t>橋</a:t>
+              <a:t>副歌</a:t>
             </a:r>
             <a:r>
               <a:rPr lang="en-US" sz="3200" b="1" dirty="0">
@@ -7881,7 +7828,7 @@
     </p:spTree>
     <p:extLst>
       <p:ext uri="{BB962C8B-B14F-4D97-AF65-F5344CB8AC3E}">
-        <p14:creationId xmlns:p14="http://schemas.microsoft.com/office/powerpoint/2010/main" val="2377967557"/>
+        <p14:creationId xmlns:p14="http://schemas.microsoft.com/office/powerpoint/2010/main" val="58910560"/>
       </p:ext>
     </p:extLst>
   </p:cSld>
@@ -7941,7 +7888,7 @@
                 <a:latin typeface="微軟正黑體" pitchFamily="34" charset="-120"/>
                 <a:ea typeface="微軟正黑體" pitchFamily="34" charset="-120"/>
               </a:rPr>
-              <a:t>願人都尊祢名為聖</a:t>
+              <a:t>免我們的債</a:t>
             </a:r>
             <a:endParaRPr lang="en-US" sz="6400" b="1" dirty="0">
               <a:solidFill>
@@ -7963,9 +7910,9 @@
                 <a:latin typeface="微軟正黑體" pitchFamily="34" charset="-120"/>
                 <a:ea typeface="微軟正黑體" pitchFamily="34" charset="-120"/>
               </a:rPr>
-              <a:t>願祢的國降臨</a:t>
-            </a:r>
-            <a:endParaRPr lang="en-US" sz="6400" b="1" dirty="0">
+              <a:t>如同我們免去人的債</a:t>
+            </a:r>
+            <a:endParaRPr lang="en-US" altLang="zh-TW" sz="6400" b="1" dirty="0">
               <a:solidFill>
                 <a:srgbClr val="660033"/>
               </a:solidFill>
@@ -8040,7 +7987,7 @@
     </p:spTree>
     <p:extLst>
       <p:ext uri="{BB962C8B-B14F-4D97-AF65-F5344CB8AC3E}">
-        <p14:creationId xmlns:p14="http://schemas.microsoft.com/office/powerpoint/2010/main" val="2519385604"/>
+        <p14:creationId xmlns:p14="http://schemas.microsoft.com/office/powerpoint/2010/main" val="286835672"/>
       </p:ext>
     </p:extLst>
   </p:cSld>
@@ -8100,9 +8047,9 @@
                 <a:latin typeface="微軟正黑體" pitchFamily="34" charset="-120"/>
                 <a:ea typeface="微軟正黑體" pitchFamily="34" charset="-120"/>
               </a:rPr>
-              <a:t>也願祢旨意行在地上</a:t>
-            </a:r>
-            <a:endParaRPr lang="en-US" sz="6400" b="1" dirty="0">
+              <a:t>今日  我求問主的國 </a:t>
+            </a:r>
+            <a:endParaRPr lang="en-US" altLang="zh-TW" sz="6400" b="1" dirty="0">
               <a:solidFill>
                 <a:srgbClr val="660033"/>
               </a:solidFill>
@@ -8122,9 +8069,9 @@
                 <a:latin typeface="微軟正黑體" pitchFamily="34" charset="-120"/>
                 <a:ea typeface="微軟正黑體" pitchFamily="34" charset="-120"/>
               </a:rPr>
-              <a:t>如同行在天上</a:t>
-            </a:r>
-            <a:endParaRPr lang="en-US" altLang="zh-TW" sz="6400" b="1" dirty="0">
+              <a:t>求問主的義</a:t>
+            </a:r>
+            <a:endParaRPr lang="en-US" sz="6400" b="1" dirty="0">
               <a:solidFill>
                 <a:srgbClr val="660033"/>
               </a:solidFill>
@@ -8175,7 +8122,7 @@
                 <a:latin typeface="Microsoft JhengHei" panose="020B0604030504040204" pitchFamily="34" charset="-120"/>
                 <a:ea typeface="Microsoft JhengHei" panose="020B0604030504040204" pitchFamily="34" charset="-120"/>
               </a:rPr>
-              <a:t>副歌</a:t>
+              <a:t>正歌</a:t>
             </a:r>
             <a:r>
               <a:rPr lang="en-US" sz="3200" b="1" dirty="0">
@@ -8185,7 +8132,7 @@
                 <a:latin typeface="Microsoft JhengHei" panose="020B0604030504040204" pitchFamily="34" charset="-120"/>
                 <a:ea typeface="Microsoft JhengHei" panose="020B0604030504040204" pitchFamily="34" charset="-120"/>
               </a:rPr>
-              <a:t> )</a:t>
+              <a:t> 2 )</a:t>
             </a:r>
             <a:endParaRPr lang="vi-VN" sz="3200" b="1" dirty="0">
               <a:solidFill>
@@ -8199,7 +8146,7 @@
     </p:spTree>
     <p:extLst>
       <p:ext uri="{BB962C8B-B14F-4D97-AF65-F5344CB8AC3E}">
-        <p14:creationId xmlns:p14="http://schemas.microsoft.com/office/powerpoint/2010/main" val="3292425820"/>
+        <p14:creationId xmlns:p14="http://schemas.microsoft.com/office/powerpoint/2010/main" val="3262336203"/>
       </p:ext>
     </p:extLst>
   </p:cSld>
@@ -8259,9 +8206,9 @@
                 <a:latin typeface="微軟正黑體" pitchFamily="34" charset="-120"/>
                 <a:ea typeface="微軟正黑體" pitchFamily="34" charset="-120"/>
               </a:rPr>
-              <a:t>我們當天所需要的食物</a:t>
-            </a:r>
-            <a:endParaRPr lang="en-US" sz="6400" b="1" dirty="0">
+              <a:t>王的旨意</a:t>
+            </a:r>
+            <a:endParaRPr lang="en-US" altLang="zh-TW" sz="6400" b="1" dirty="0">
               <a:solidFill>
                 <a:srgbClr val="660033"/>
               </a:solidFill>
@@ -8281,9 +8228,9 @@
                 <a:latin typeface="微軟正黑體" pitchFamily="34" charset="-120"/>
                 <a:ea typeface="微軟正黑體" pitchFamily="34" charset="-120"/>
               </a:rPr>
-              <a:t>求祢賜給我們</a:t>
-            </a:r>
-            <a:endParaRPr lang="en-US" sz="6400" b="1" dirty="0">
+              <a:t>如陽光遍地彰顯</a:t>
+            </a:r>
+            <a:endParaRPr lang="en-US" altLang="zh-TW" sz="6400" b="1" dirty="0">
               <a:solidFill>
                 <a:srgbClr val="660033"/>
               </a:solidFill>
@@ -8334,7 +8281,7 @@
                 <a:latin typeface="Microsoft JhengHei" panose="020B0604030504040204" pitchFamily="34" charset="-120"/>
                 <a:ea typeface="Microsoft JhengHei" panose="020B0604030504040204" pitchFamily="34" charset="-120"/>
               </a:rPr>
-              <a:t>副歌</a:t>
+              <a:t>正歌</a:t>
             </a:r>
             <a:r>
               <a:rPr lang="en-US" sz="3200" b="1" dirty="0">
@@ -8344,7 +8291,7 @@
                 <a:latin typeface="Microsoft JhengHei" panose="020B0604030504040204" pitchFamily="34" charset="-120"/>
                 <a:ea typeface="Microsoft JhengHei" panose="020B0604030504040204" pitchFamily="34" charset="-120"/>
               </a:rPr>
-              <a:t> )</a:t>
+              <a:t> 2 )</a:t>
             </a:r>
             <a:endParaRPr lang="vi-VN" sz="3200" b="1" dirty="0">
               <a:solidFill>
@@ -8358,7 +8305,7 @@
     </p:spTree>
     <p:extLst>
       <p:ext uri="{BB962C8B-B14F-4D97-AF65-F5344CB8AC3E}">
-        <p14:creationId xmlns:p14="http://schemas.microsoft.com/office/powerpoint/2010/main" val="1789867589"/>
+        <p14:creationId xmlns:p14="http://schemas.microsoft.com/office/powerpoint/2010/main" val="1364878723"/>
       </p:ext>
     </p:extLst>
   </p:cSld>
@@ -8577,7 +8524,7 @@
                 <a:latin typeface="微軟正黑體" pitchFamily="34" charset="-120"/>
                 <a:ea typeface="微軟正黑體" pitchFamily="34" charset="-120"/>
               </a:rPr>
-              <a:t>免我們的債</a:t>
+              <a:t>願人都尊祢名為聖</a:t>
             </a:r>
             <a:endParaRPr lang="en-US" sz="6400" b="1" dirty="0">
               <a:solidFill>
@@ -8599,9 +8546,9 @@
                 <a:latin typeface="微軟正黑體" pitchFamily="34" charset="-120"/>
                 <a:ea typeface="微軟正黑體" pitchFamily="34" charset="-120"/>
               </a:rPr>
-              <a:t>如同我們免去人的債</a:t>
-            </a:r>
-            <a:endParaRPr lang="en-US" altLang="zh-TW" sz="6400" b="1" dirty="0">
+              <a:t>願祢的國降臨</a:t>
+            </a:r>
+            <a:endParaRPr lang="en-US" sz="6400" b="1" dirty="0">
               <a:solidFill>
                 <a:srgbClr val="660033"/>
               </a:solidFill>
@@ -8676,7 +8623,7 @@
     </p:spTree>
     <p:extLst>
       <p:ext uri="{BB962C8B-B14F-4D97-AF65-F5344CB8AC3E}">
-        <p14:creationId xmlns:p14="http://schemas.microsoft.com/office/powerpoint/2010/main" val="3551072003"/>
+        <p14:creationId xmlns:p14="http://schemas.microsoft.com/office/powerpoint/2010/main" val="1417603916"/>
       </p:ext>
     </p:extLst>
   </p:cSld>
@@ -8736,9 +8683,9 @@
                 <a:latin typeface="微軟正黑體" pitchFamily="34" charset="-120"/>
                 <a:ea typeface="微軟正黑體" pitchFamily="34" charset="-120"/>
               </a:rPr>
-              <a:t>我們在天上的父</a:t>
-            </a:r>
-            <a:endParaRPr lang="en-US" altLang="zh-TW" sz="6400" b="1" dirty="0">
+              <a:t>也願祢旨意行在地上</a:t>
+            </a:r>
+            <a:endParaRPr lang="en-US" sz="6400" b="1" dirty="0">
               <a:solidFill>
                 <a:srgbClr val="660033"/>
               </a:solidFill>
@@ -8758,9 +8705,9 @@
                 <a:latin typeface="微軟正黑體" pitchFamily="34" charset="-120"/>
                 <a:ea typeface="微軟正黑體" pitchFamily="34" charset="-120"/>
               </a:rPr>
-              <a:t>願人都尊祢名為聖</a:t>
-            </a:r>
-            <a:endParaRPr lang="en-US" sz="6400" b="1" dirty="0">
+              <a:t>如同行在天上</a:t>
+            </a:r>
+            <a:endParaRPr lang="en-US" altLang="zh-TW" sz="6400" b="1" dirty="0">
               <a:solidFill>
                 <a:srgbClr val="660033"/>
               </a:solidFill>
@@ -8811,7 +8758,7 @@
                 <a:latin typeface="Microsoft JhengHei" panose="020B0604030504040204" pitchFamily="34" charset="-120"/>
                 <a:ea typeface="Microsoft JhengHei" panose="020B0604030504040204" pitchFamily="34" charset="-120"/>
               </a:rPr>
-              <a:t>結尾</a:t>
+              <a:t>副歌</a:t>
             </a:r>
             <a:r>
               <a:rPr lang="en-US" sz="3200" b="1" dirty="0">
@@ -8835,7 +8782,1279 @@
     </p:spTree>
     <p:extLst>
       <p:ext uri="{BB962C8B-B14F-4D97-AF65-F5344CB8AC3E}">
-        <p14:creationId xmlns:p14="http://schemas.microsoft.com/office/powerpoint/2010/main" val="3578610875"/>
+        <p14:creationId xmlns:p14="http://schemas.microsoft.com/office/powerpoint/2010/main" val="448163801"/>
+      </p:ext>
+    </p:extLst>
+  </p:cSld>
+  <p:clrMapOvr>
+    <a:masterClrMapping/>
+  </p:clrMapOvr>
+</p:sld>
+</file>
+
+<file path=ppt/slides/slide42.xml><?xml version="1.0" encoding="utf-8"?>
+<p:sld xmlns:a="http://schemas.openxmlformats.org/drawingml/2006/main" xmlns:r="http://schemas.openxmlformats.org/officeDocument/2006/relationships" xmlns:p="http://schemas.openxmlformats.org/presentationml/2006/main">
+  <p:cSld>
+    <p:spTree>
+      <p:nvGrpSpPr>
+        <p:cNvPr id="1" name=""/>
+        <p:cNvGrpSpPr/>
+        <p:nvPr/>
+      </p:nvGrpSpPr>
+      <p:grpSpPr>
+        <a:xfrm>
+          <a:off x="0" y="0"/>
+          <a:ext cx="0" cy="0"/>
+          <a:chOff x="0" y="0"/>
+          <a:chExt cx="0" cy="0"/>
+        </a:xfrm>
+      </p:grpSpPr>
+      <p:sp>
+        <p:nvSpPr>
+          <p:cNvPr id="5" name="內容版面配置區 4"/>
+          <p:cNvSpPr>
+            <a:spLocks noGrp="1"/>
+          </p:cNvSpPr>
+          <p:nvPr>
+            <p:ph idx="1"/>
+          </p:nvPr>
+        </p:nvSpPr>
+        <p:spPr>
+          <a:xfrm>
+            <a:off x="0" y="2084851"/>
+            <a:ext cx="12192000" cy="2404863"/>
+          </a:xfrm>
+        </p:spPr>
+        <p:txBody>
+          <a:bodyPr anchor="ctr">
+            <a:normAutofit/>
+          </a:bodyPr>
+          <a:lstStyle/>
+          <a:p>
+            <a:pPr algn="ctr">
+              <a:buNone/>
+            </a:pPr>
+            <a:r>
+              <a:rPr lang="zh-TW" altLang="en-US" sz="6400" b="1" dirty="0">
+                <a:solidFill>
+                  <a:srgbClr val="660033"/>
+                </a:solidFill>
+                <a:latin typeface="微軟正黑體" pitchFamily="34" charset="-120"/>
+                <a:ea typeface="微軟正黑體" pitchFamily="34" charset="-120"/>
+              </a:rPr>
+              <a:t>我們當天所需要的食物</a:t>
+            </a:r>
+            <a:endParaRPr lang="en-US" sz="6400" b="1" dirty="0">
+              <a:solidFill>
+                <a:srgbClr val="660033"/>
+              </a:solidFill>
+              <a:latin typeface="微軟正黑體" pitchFamily="34" charset="-120"/>
+              <a:ea typeface="微軟正黑體" pitchFamily="34" charset="-120"/>
+            </a:endParaRPr>
+          </a:p>
+          <a:p>
+            <a:pPr algn="ctr">
+              <a:buNone/>
+            </a:pPr>
+            <a:r>
+              <a:rPr lang="zh-TW" altLang="en-US" sz="6400" b="1" dirty="0">
+                <a:solidFill>
+                  <a:srgbClr val="660033"/>
+                </a:solidFill>
+                <a:latin typeface="微軟正黑體" pitchFamily="34" charset="-120"/>
+                <a:ea typeface="微軟正黑體" pitchFamily="34" charset="-120"/>
+              </a:rPr>
+              <a:t>求祢賜給我們</a:t>
+            </a:r>
+            <a:endParaRPr lang="en-US" sz="6400" b="1" dirty="0">
+              <a:solidFill>
+                <a:srgbClr val="660033"/>
+              </a:solidFill>
+              <a:latin typeface="微軟正黑體" pitchFamily="34" charset="-120"/>
+              <a:ea typeface="微軟正黑體" pitchFamily="34" charset="-120"/>
+            </a:endParaRPr>
+          </a:p>
+        </p:txBody>
+      </p:sp>
+      <p:sp>
+        <p:nvSpPr>
+          <p:cNvPr id="2" name="TextBox 1"/>
+          <p:cNvSpPr txBox="1"/>
+          <p:nvPr/>
+        </p:nvSpPr>
+        <p:spPr>
+          <a:xfrm>
+            <a:off x="0" y="5158596"/>
+            <a:ext cx="12192000" cy="584775"/>
+          </a:xfrm>
+          <a:prstGeom prst="rect">
+            <a:avLst/>
+          </a:prstGeom>
+          <a:noFill/>
+        </p:spPr>
+        <p:txBody>
+          <a:bodyPr wrap="square" rtlCol="0">
+            <a:spAutoFit/>
+          </a:bodyPr>
+          <a:lstStyle/>
+          <a:p>
+            <a:pPr algn="ctr"/>
+            <a:r>
+              <a:rPr lang="en-US" sz="3200" b="1" dirty="0">
+                <a:solidFill>
+                  <a:srgbClr val="660033"/>
+                </a:solidFill>
+                <a:latin typeface="Microsoft JhengHei" panose="020B0604030504040204" pitchFamily="34" charset="-120"/>
+                <a:ea typeface="Microsoft JhengHei" panose="020B0604030504040204" pitchFamily="34" charset="-120"/>
+              </a:rPr>
+              <a:t>( </a:t>
+            </a:r>
+            <a:r>
+              <a:rPr lang="zh-CN" altLang="en-US" sz="3200" b="1" dirty="0">
+                <a:solidFill>
+                  <a:srgbClr val="660033"/>
+                </a:solidFill>
+                <a:latin typeface="Microsoft JhengHei" panose="020B0604030504040204" pitchFamily="34" charset="-120"/>
+                <a:ea typeface="Microsoft JhengHei" panose="020B0604030504040204" pitchFamily="34" charset="-120"/>
+              </a:rPr>
+              <a:t>副歌</a:t>
+            </a:r>
+            <a:r>
+              <a:rPr lang="en-US" sz="3200" b="1" dirty="0">
+                <a:solidFill>
+                  <a:srgbClr val="660033"/>
+                </a:solidFill>
+                <a:latin typeface="Microsoft JhengHei" panose="020B0604030504040204" pitchFamily="34" charset="-120"/>
+                <a:ea typeface="Microsoft JhengHei" panose="020B0604030504040204" pitchFamily="34" charset="-120"/>
+              </a:rPr>
+              <a:t> )</a:t>
+            </a:r>
+            <a:endParaRPr lang="vi-VN" sz="3200" b="1" dirty="0">
+              <a:solidFill>
+                <a:srgbClr val="660033"/>
+              </a:solidFill>
+              <a:ea typeface="Microsoft JhengHei" panose="020B0604030504040204" pitchFamily="34" charset="-120"/>
+            </a:endParaRPr>
+          </a:p>
+        </p:txBody>
+      </p:sp>
+    </p:spTree>
+    <p:extLst>
+      <p:ext uri="{BB962C8B-B14F-4D97-AF65-F5344CB8AC3E}">
+        <p14:creationId xmlns:p14="http://schemas.microsoft.com/office/powerpoint/2010/main" val="3820148921"/>
+      </p:ext>
+    </p:extLst>
+  </p:cSld>
+  <p:clrMapOvr>
+    <a:masterClrMapping/>
+  </p:clrMapOvr>
+</p:sld>
+</file>
+
+<file path=ppt/slides/slide43.xml><?xml version="1.0" encoding="utf-8"?>
+<p:sld xmlns:a="http://schemas.openxmlformats.org/drawingml/2006/main" xmlns:r="http://schemas.openxmlformats.org/officeDocument/2006/relationships" xmlns:p="http://schemas.openxmlformats.org/presentationml/2006/main">
+  <p:cSld>
+    <p:spTree>
+      <p:nvGrpSpPr>
+        <p:cNvPr id="1" name=""/>
+        <p:cNvGrpSpPr/>
+        <p:nvPr/>
+      </p:nvGrpSpPr>
+      <p:grpSpPr>
+        <a:xfrm>
+          <a:off x="0" y="0"/>
+          <a:ext cx="0" cy="0"/>
+          <a:chOff x="0" y="0"/>
+          <a:chExt cx="0" cy="0"/>
+        </a:xfrm>
+      </p:grpSpPr>
+      <p:sp>
+        <p:nvSpPr>
+          <p:cNvPr id="5" name="內容版面配置區 4"/>
+          <p:cNvSpPr>
+            <a:spLocks noGrp="1"/>
+          </p:cNvSpPr>
+          <p:nvPr>
+            <p:ph idx="1"/>
+          </p:nvPr>
+        </p:nvSpPr>
+        <p:spPr>
+          <a:xfrm>
+            <a:off x="0" y="2084851"/>
+            <a:ext cx="12192000" cy="2404863"/>
+          </a:xfrm>
+        </p:spPr>
+        <p:txBody>
+          <a:bodyPr anchor="ctr">
+            <a:normAutofit/>
+          </a:bodyPr>
+          <a:lstStyle/>
+          <a:p>
+            <a:pPr algn="ctr">
+              <a:buNone/>
+            </a:pPr>
+            <a:r>
+              <a:rPr lang="zh-TW" altLang="en-US" sz="6400" b="1" dirty="0">
+                <a:solidFill>
+                  <a:srgbClr val="660033"/>
+                </a:solidFill>
+                <a:latin typeface="微軟正黑體" pitchFamily="34" charset="-120"/>
+                <a:ea typeface="微軟正黑體" pitchFamily="34" charset="-120"/>
+              </a:rPr>
+              <a:t>免我們的債</a:t>
+            </a:r>
+            <a:endParaRPr lang="en-US" sz="6400" b="1" dirty="0">
+              <a:solidFill>
+                <a:srgbClr val="660033"/>
+              </a:solidFill>
+              <a:latin typeface="微軟正黑體" pitchFamily="34" charset="-120"/>
+              <a:ea typeface="微軟正黑體" pitchFamily="34" charset="-120"/>
+            </a:endParaRPr>
+          </a:p>
+          <a:p>
+            <a:pPr algn="ctr">
+              <a:buNone/>
+            </a:pPr>
+            <a:r>
+              <a:rPr lang="zh-TW" altLang="en-US" sz="6400" b="1" dirty="0">
+                <a:solidFill>
+                  <a:srgbClr val="660033"/>
+                </a:solidFill>
+                <a:latin typeface="微軟正黑體" pitchFamily="34" charset="-120"/>
+                <a:ea typeface="微軟正黑體" pitchFamily="34" charset="-120"/>
+              </a:rPr>
+              <a:t>如同我們免去人的債</a:t>
+            </a:r>
+            <a:endParaRPr lang="en-US" altLang="zh-TW" sz="6400" b="1" dirty="0">
+              <a:solidFill>
+                <a:srgbClr val="660033"/>
+              </a:solidFill>
+              <a:latin typeface="微軟正黑體" pitchFamily="34" charset="-120"/>
+              <a:ea typeface="微軟正黑體" pitchFamily="34" charset="-120"/>
+            </a:endParaRPr>
+          </a:p>
+        </p:txBody>
+      </p:sp>
+      <p:sp>
+        <p:nvSpPr>
+          <p:cNvPr id="2" name="TextBox 1"/>
+          <p:cNvSpPr txBox="1"/>
+          <p:nvPr/>
+        </p:nvSpPr>
+        <p:spPr>
+          <a:xfrm>
+            <a:off x="0" y="5158596"/>
+            <a:ext cx="12192000" cy="584775"/>
+          </a:xfrm>
+          <a:prstGeom prst="rect">
+            <a:avLst/>
+          </a:prstGeom>
+          <a:noFill/>
+        </p:spPr>
+        <p:txBody>
+          <a:bodyPr wrap="square" rtlCol="0">
+            <a:spAutoFit/>
+          </a:bodyPr>
+          <a:lstStyle/>
+          <a:p>
+            <a:pPr algn="ctr"/>
+            <a:r>
+              <a:rPr lang="en-US" sz="3200" b="1" dirty="0">
+                <a:solidFill>
+                  <a:srgbClr val="660033"/>
+                </a:solidFill>
+                <a:latin typeface="Microsoft JhengHei" panose="020B0604030504040204" pitchFamily="34" charset="-120"/>
+                <a:ea typeface="Microsoft JhengHei" panose="020B0604030504040204" pitchFamily="34" charset="-120"/>
+              </a:rPr>
+              <a:t>( </a:t>
+            </a:r>
+            <a:r>
+              <a:rPr lang="zh-CN" altLang="en-US" sz="3200" b="1" dirty="0">
+                <a:solidFill>
+                  <a:srgbClr val="660033"/>
+                </a:solidFill>
+                <a:latin typeface="Microsoft JhengHei" panose="020B0604030504040204" pitchFamily="34" charset="-120"/>
+                <a:ea typeface="Microsoft JhengHei" panose="020B0604030504040204" pitchFamily="34" charset="-120"/>
+              </a:rPr>
+              <a:t>副歌</a:t>
+            </a:r>
+            <a:r>
+              <a:rPr lang="en-US" sz="3200" b="1" dirty="0">
+                <a:solidFill>
+                  <a:srgbClr val="660033"/>
+                </a:solidFill>
+                <a:latin typeface="Microsoft JhengHei" panose="020B0604030504040204" pitchFamily="34" charset="-120"/>
+                <a:ea typeface="Microsoft JhengHei" panose="020B0604030504040204" pitchFamily="34" charset="-120"/>
+              </a:rPr>
+              <a:t> )</a:t>
+            </a:r>
+            <a:endParaRPr lang="vi-VN" sz="3200" b="1" dirty="0">
+              <a:solidFill>
+                <a:srgbClr val="660033"/>
+              </a:solidFill>
+              <a:ea typeface="Microsoft JhengHei" panose="020B0604030504040204" pitchFamily="34" charset="-120"/>
+            </a:endParaRPr>
+          </a:p>
+        </p:txBody>
+      </p:sp>
+    </p:spTree>
+    <p:extLst>
+      <p:ext uri="{BB962C8B-B14F-4D97-AF65-F5344CB8AC3E}">
+        <p14:creationId xmlns:p14="http://schemas.microsoft.com/office/powerpoint/2010/main" val="1707779820"/>
+      </p:ext>
+    </p:extLst>
+  </p:cSld>
+  <p:clrMapOvr>
+    <a:masterClrMapping/>
+  </p:clrMapOvr>
+</p:sld>
+</file>
+
+<file path=ppt/slides/slide44.xml><?xml version="1.0" encoding="utf-8"?>
+<p:sld xmlns:a="http://schemas.openxmlformats.org/drawingml/2006/main" xmlns:r="http://schemas.openxmlformats.org/officeDocument/2006/relationships" xmlns:p="http://schemas.openxmlformats.org/presentationml/2006/main">
+  <p:cSld>
+    <p:spTree>
+      <p:nvGrpSpPr>
+        <p:cNvPr id="1" name=""/>
+        <p:cNvGrpSpPr/>
+        <p:nvPr/>
+      </p:nvGrpSpPr>
+      <p:grpSpPr>
+        <a:xfrm>
+          <a:off x="0" y="0"/>
+          <a:ext cx="0" cy="0"/>
+          <a:chOff x="0" y="0"/>
+          <a:chExt cx="0" cy="0"/>
+        </a:xfrm>
+      </p:grpSpPr>
+      <p:sp>
+        <p:nvSpPr>
+          <p:cNvPr id="5" name="內容版面配置區 4"/>
+          <p:cNvSpPr>
+            <a:spLocks noGrp="1"/>
+          </p:cNvSpPr>
+          <p:nvPr>
+            <p:ph idx="1"/>
+          </p:nvPr>
+        </p:nvSpPr>
+        <p:spPr>
+          <a:xfrm>
+            <a:off x="0" y="2084851"/>
+            <a:ext cx="12192000" cy="2404863"/>
+          </a:xfrm>
+        </p:spPr>
+        <p:txBody>
+          <a:bodyPr anchor="ctr">
+            <a:normAutofit/>
+          </a:bodyPr>
+          <a:lstStyle/>
+          <a:p>
+            <a:pPr algn="ctr">
+              <a:buNone/>
+            </a:pPr>
+            <a:r>
+              <a:rPr lang="zh-TW" altLang="en-US" sz="6400" b="1" dirty="0">
+                <a:solidFill>
+                  <a:srgbClr val="660033"/>
+                </a:solidFill>
+                <a:latin typeface="微軟正黑體" pitchFamily="34" charset="-120"/>
+                <a:ea typeface="微軟正黑體" pitchFamily="34" charset="-120"/>
+              </a:rPr>
+              <a:t>不叫我們遇見試探 </a:t>
+            </a:r>
+            <a:endParaRPr lang="en-US" altLang="zh-TW" sz="6400" b="1" dirty="0">
+              <a:solidFill>
+                <a:srgbClr val="660033"/>
+              </a:solidFill>
+              <a:latin typeface="微軟正黑體" pitchFamily="34" charset="-120"/>
+              <a:ea typeface="微軟正黑體" pitchFamily="34" charset="-120"/>
+            </a:endParaRPr>
+          </a:p>
+          <a:p>
+            <a:pPr algn="ctr">
+              <a:buNone/>
+            </a:pPr>
+            <a:r>
+              <a:rPr lang="zh-TW" altLang="en-US" sz="6400" b="1" dirty="0">
+                <a:solidFill>
+                  <a:srgbClr val="660033"/>
+                </a:solidFill>
+                <a:latin typeface="微軟正黑體" pitchFamily="34" charset="-120"/>
+                <a:ea typeface="微軟正黑體" pitchFamily="34" charset="-120"/>
+              </a:rPr>
+              <a:t>救我們脫離凶惡</a:t>
+            </a:r>
+            <a:endParaRPr lang="en-US" altLang="zh-TW" sz="6400" b="1" dirty="0">
+              <a:solidFill>
+                <a:srgbClr val="660033"/>
+              </a:solidFill>
+              <a:latin typeface="微軟正黑體" pitchFamily="34" charset="-120"/>
+              <a:ea typeface="微軟正黑體" pitchFamily="34" charset="-120"/>
+            </a:endParaRPr>
+          </a:p>
+        </p:txBody>
+      </p:sp>
+      <p:sp>
+        <p:nvSpPr>
+          <p:cNvPr id="2" name="TextBox 1"/>
+          <p:cNvSpPr txBox="1"/>
+          <p:nvPr/>
+        </p:nvSpPr>
+        <p:spPr>
+          <a:xfrm>
+            <a:off x="0" y="5158596"/>
+            <a:ext cx="12192000" cy="584775"/>
+          </a:xfrm>
+          <a:prstGeom prst="rect">
+            <a:avLst/>
+          </a:prstGeom>
+          <a:noFill/>
+        </p:spPr>
+        <p:txBody>
+          <a:bodyPr wrap="square" rtlCol="0">
+            <a:spAutoFit/>
+          </a:bodyPr>
+          <a:lstStyle/>
+          <a:p>
+            <a:pPr algn="ctr"/>
+            <a:r>
+              <a:rPr lang="en-US" sz="3200" b="1" dirty="0">
+                <a:solidFill>
+                  <a:srgbClr val="660033"/>
+                </a:solidFill>
+                <a:latin typeface="Microsoft JhengHei" panose="020B0604030504040204" pitchFamily="34" charset="-120"/>
+                <a:ea typeface="Microsoft JhengHei" panose="020B0604030504040204" pitchFamily="34" charset="-120"/>
+              </a:rPr>
+              <a:t>( </a:t>
+            </a:r>
+            <a:r>
+              <a:rPr lang="zh-CN" altLang="en-US" sz="3200" b="1" dirty="0">
+                <a:solidFill>
+                  <a:srgbClr val="660033"/>
+                </a:solidFill>
+                <a:latin typeface="Microsoft JhengHei" panose="020B0604030504040204" pitchFamily="34" charset="-120"/>
+                <a:ea typeface="Microsoft JhengHei" panose="020B0604030504040204" pitchFamily="34" charset="-120"/>
+              </a:rPr>
+              <a:t>橋</a:t>
+            </a:r>
+            <a:r>
+              <a:rPr lang="en-US" sz="3200" b="1" dirty="0">
+                <a:solidFill>
+                  <a:srgbClr val="660033"/>
+                </a:solidFill>
+                <a:latin typeface="Microsoft JhengHei" panose="020B0604030504040204" pitchFamily="34" charset="-120"/>
+                <a:ea typeface="Microsoft JhengHei" panose="020B0604030504040204" pitchFamily="34" charset="-120"/>
+              </a:rPr>
+              <a:t> )</a:t>
+            </a:r>
+            <a:endParaRPr lang="vi-VN" sz="3200" b="1" dirty="0">
+              <a:solidFill>
+                <a:srgbClr val="660033"/>
+              </a:solidFill>
+              <a:ea typeface="Microsoft JhengHei" panose="020B0604030504040204" pitchFamily="34" charset="-120"/>
+            </a:endParaRPr>
+          </a:p>
+        </p:txBody>
+      </p:sp>
+    </p:spTree>
+    <p:extLst>
+      <p:ext uri="{BB962C8B-B14F-4D97-AF65-F5344CB8AC3E}">
+        <p14:creationId xmlns:p14="http://schemas.microsoft.com/office/powerpoint/2010/main" val="3556392501"/>
+      </p:ext>
+    </p:extLst>
+  </p:cSld>
+  <p:clrMapOvr>
+    <a:masterClrMapping/>
+  </p:clrMapOvr>
+</p:sld>
+</file>
+
+<file path=ppt/slides/slide45.xml><?xml version="1.0" encoding="utf-8"?>
+<p:sld xmlns:a="http://schemas.openxmlformats.org/drawingml/2006/main" xmlns:r="http://schemas.openxmlformats.org/officeDocument/2006/relationships" xmlns:p="http://schemas.openxmlformats.org/presentationml/2006/main">
+  <p:cSld>
+    <p:spTree>
+      <p:nvGrpSpPr>
+        <p:cNvPr id="1" name=""/>
+        <p:cNvGrpSpPr/>
+        <p:nvPr/>
+      </p:nvGrpSpPr>
+      <p:grpSpPr>
+        <a:xfrm>
+          <a:off x="0" y="0"/>
+          <a:ext cx="0" cy="0"/>
+          <a:chOff x="0" y="0"/>
+          <a:chExt cx="0" cy="0"/>
+        </a:xfrm>
+      </p:grpSpPr>
+      <p:sp>
+        <p:nvSpPr>
+          <p:cNvPr id="5" name="內容版面配置區 4"/>
+          <p:cNvSpPr>
+            <a:spLocks noGrp="1"/>
+          </p:cNvSpPr>
+          <p:nvPr>
+            <p:ph idx="1"/>
+          </p:nvPr>
+        </p:nvSpPr>
+        <p:spPr>
+          <a:xfrm>
+            <a:off x="0" y="2084851"/>
+            <a:ext cx="12192000" cy="2404863"/>
+          </a:xfrm>
+        </p:spPr>
+        <p:txBody>
+          <a:bodyPr anchor="ctr">
+            <a:normAutofit/>
+          </a:bodyPr>
+          <a:lstStyle/>
+          <a:p>
+            <a:pPr algn="ctr">
+              <a:buNone/>
+            </a:pPr>
+            <a:r>
+              <a:rPr lang="zh-TW" altLang="en-US" sz="6400" b="1" dirty="0">
+                <a:solidFill>
+                  <a:srgbClr val="660033"/>
+                </a:solidFill>
+                <a:latin typeface="微軟正黑體" pitchFamily="34" charset="-120"/>
+                <a:ea typeface="微軟正黑體" pitchFamily="34" charset="-120"/>
+              </a:rPr>
+              <a:t>因國度權柄榮耀 </a:t>
+            </a:r>
+            <a:endParaRPr lang="en-US" altLang="zh-TW" sz="6400" b="1" dirty="0">
+              <a:solidFill>
+                <a:srgbClr val="660033"/>
+              </a:solidFill>
+              <a:latin typeface="微軟正黑體" pitchFamily="34" charset="-120"/>
+              <a:ea typeface="微軟正黑體" pitchFamily="34" charset="-120"/>
+            </a:endParaRPr>
+          </a:p>
+          <a:p>
+            <a:pPr algn="ctr">
+              <a:buNone/>
+            </a:pPr>
+            <a:r>
+              <a:rPr lang="zh-TW" altLang="en-US" sz="6400" b="1" dirty="0">
+                <a:solidFill>
+                  <a:srgbClr val="660033"/>
+                </a:solidFill>
+                <a:latin typeface="微軟正黑體" pitchFamily="34" charset="-120"/>
+                <a:ea typeface="微軟正黑體" pitchFamily="34" charset="-120"/>
+              </a:rPr>
+              <a:t>全屬祢直到永遠</a:t>
+            </a:r>
+            <a:endParaRPr lang="en-US" altLang="zh-TW" sz="6400" b="1" dirty="0">
+              <a:solidFill>
+                <a:srgbClr val="660033"/>
+              </a:solidFill>
+              <a:latin typeface="微軟正黑體" pitchFamily="34" charset="-120"/>
+              <a:ea typeface="微軟正黑體" pitchFamily="34" charset="-120"/>
+            </a:endParaRPr>
+          </a:p>
+        </p:txBody>
+      </p:sp>
+      <p:sp>
+        <p:nvSpPr>
+          <p:cNvPr id="2" name="TextBox 1"/>
+          <p:cNvSpPr txBox="1"/>
+          <p:nvPr/>
+        </p:nvSpPr>
+        <p:spPr>
+          <a:xfrm>
+            <a:off x="0" y="5158596"/>
+            <a:ext cx="12192000" cy="584775"/>
+          </a:xfrm>
+          <a:prstGeom prst="rect">
+            <a:avLst/>
+          </a:prstGeom>
+          <a:noFill/>
+        </p:spPr>
+        <p:txBody>
+          <a:bodyPr wrap="square" rtlCol="0">
+            <a:spAutoFit/>
+          </a:bodyPr>
+          <a:lstStyle/>
+          <a:p>
+            <a:pPr algn="ctr"/>
+            <a:r>
+              <a:rPr lang="en-US" sz="3200" b="1" dirty="0">
+                <a:solidFill>
+                  <a:srgbClr val="660033"/>
+                </a:solidFill>
+                <a:latin typeface="Microsoft JhengHei" panose="020B0604030504040204" pitchFamily="34" charset="-120"/>
+                <a:ea typeface="Microsoft JhengHei" panose="020B0604030504040204" pitchFamily="34" charset="-120"/>
+              </a:rPr>
+              <a:t>( </a:t>
+            </a:r>
+            <a:r>
+              <a:rPr lang="zh-CN" altLang="en-US" sz="3200" b="1" dirty="0">
+                <a:solidFill>
+                  <a:srgbClr val="660033"/>
+                </a:solidFill>
+                <a:latin typeface="Microsoft JhengHei" panose="020B0604030504040204" pitchFamily="34" charset="-120"/>
+                <a:ea typeface="Microsoft JhengHei" panose="020B0604030504040204" pitchFamily="34" charset="-120"/>
+              </a:rPr>
+              <a:t>橋</a:t>
+            </a:r>
+            <a:r>
+              <a:rPr lang="en-US" sz="3200" b="1" dirty="0">
+                <a:solidFill>
+                  <a:srgbClr val="660033"/>
+                </a:solidFill>
+                <a:latin typeface="Microsoft JhengHei" panose="020B0604030504040204" pitchFamily="34" charset="-120"/>
+                <a:ea typeface="Microsoft JhengHei" panose="020B0604030504040204" pitchFamily="34" charset="-120"/>
+              </a:rPr>
+              <a:t> )</a:t>
+            </a:r>
+            <a:endParaRPr lang="vi-VN" sz="3200" b="1" dirty="0">
+              <a:solidFill>
+                <a:srgbClr val="660033"/>
+              </a:solidFill>
+              <a:ea typeface="Microsoft JhengHei" panose="020B0604030504040204" pitchFamily="34" charset="-120"/>
+            </a:endParaRPr>
+          </a:p>
+        </p:txBody>
+      </p:sp>
+    </p:spTree>
+    <p:extLst>
+      <p:ext uri="{BB962C8B-B14F-4D97-AF65-F5344CB8AC3E}">
+        <p14:creationId xmlns:p14="http://schemas.microsoft.com/office/powerpoint/2010/main" val="2377967557"/>
+      </p:ext>
+    </p:extLst>
+  </p:cSld>
+  <p:clrMapOvr>
+    <a:masterClrMapping/>
+  </p:clrMapOvr>
+</p:sld>
+</file>
+
+<file path=ppt/slides/slide46.xml><?xml version="1.0" encoding="utf-8"?>
+<p:sld xmlns:a="http://schemas.openxmlformats.org/drawingml/2006/main" xmlns:r="http://schemas.openxmlformats.org/officeDocument/2006/relationships" xmlns:p="http://schemas.openxmlformats.org/presentationml/2006/main">
+  <p:cSld>
+    <p:spTree>
+      <p:nvGrpSpPr>
+        <p:cNvPr id="1" name=""/>
+        <p:cNvGrpSpPr/>
+        <p:nvPr/>
+      </p:nvGrpSpPr>
+      <p:grpSpPr>
+        <a:xfrm>
+          <a:off x="0" y="0"/>
+          <a:ext cx="0" cy="0"/>
+          <a:chOff x="0" y="0"/>
+          <a:chExt cx="0" cy="0"/>
+        </a:xfrm>
+      </p:grpSpPr>
+      <p:sp>
+        <p:nvSpPr>
+          <p:cNvPr id="5" name="內容版面配置區 4"/>
+          <p:cNvSpPr>
+            <a:spLocks noGrp="1"/>
+          </p:cNvSpPr>
+          <p:nvPr>
+            <p:ph idx="1"/>
+          </p:nvPr>
+        </p:nvSpPr>
+        <p:spPr>
+          <a:xfrm>
+            <a:off x="0" y="2084851"/>
+            <a:ext cx="12192000" cy="2404863"/>
+          </a:xfrm>
+        </p:spPr>
+        <p:txBody>
+          <a:bodyPr anchor="ctr">
+            <a:normAutofit/>
+          </a:bodyPr>
+          <a:lstStyle/>
+          <a:p>
+            <a:pPr algn="ctr">
+              <a:buNone/>
+            </a:pPr>
+            <a:r>
+              <a:rPr lang="zh-TW" altLang="en-US" sz="6400" b="1" dirty="0">
+                <a:solidFill>
+                  <a:srgbClr val="660033"/>
+                </a:solidFill>
+                <a:latin typeface="微軟正黑體" pitchFamily="34" charset="-120"/>
+                <a:ea typeface="微軟正黑體" pitchFamily="34" charset="-120"/>
+              </a:rPr>
+              <a:t>願人都尊祢名為聖</a:t>
+            </a:r>
+            <a:endParaRPr lang="en-US" sz="6400" b="1" dirty="0">
+              <a:solidFill>
+                <a:srgbClr val="660033"/>
+              </a:solidFill>
+              <a:latin typeface="微軟正黑體" pitchFamily="34" charset="-120"/>
+              <a:ea typeface="微軟正黑體" pitchFamily="34" charset="-120"/>
+            </a:endParaRPr>
+          </a:p>
+          <a:p>
+            <a:pPr algn="ctr">
+              <a:buNone/>
+            </a:pPr>
+            <a:r>
+              <a:rPr lang="zh-TW" altLang="en-US" sz="6400" b="1" dirty="0">
+                <a:solidFill>
+                  <a:srgbClr val="660033"/>
+                </a:solidFill>
+                <a:latin typeface="微軟正黑體" pitchFamily="34" charset="-120"/>
+                <a:ea typeface="微軟正黑體" pitchFamily="34" charset="-120"/>
+              </a:rPr>
+              <a:t>願祢的國降臨</a:t>
+            </a:r>
+            <a:endParaRPr lang="en-US" sz="6400" b="1" dirty="0">
+              <a:solidFill>
+                <a:srgbClr val="660033"/>
+              </a:solidFill>
+              <a:latin typeface="微軟正黑體" pitchFamily="34" charset="-120"/>
+              <a:ea typeface="微軟正黑體" pitchFamily="34" charset="-120"/>
+            </a:endParaRPr>
+          </a:p>
+        </p:txBody>
+      </p:sp>
+      <p:sp>
+        <p:nvSpPr>
+          <p:cNvPr id="2" name="TextBox 1"/>
+          <p:cNvSpPr txBox="1"/>
+          <p:nvPr/>
+        </p:nvSpPr>
+        <p:spPr>
+          <a:xfrm>
+            <a:off x="0" y="5158596"/>
+            <a:ext cx="12192000" cy="584775"/>
+          </a:xfrm>
+          <a:prstGeom prst="rect">
+            <a:avLst/>
+          </a:prstGeom>
+          <a:noFill/>
+        </p:spPr>
+        <p:txBody>
+          <a:bodyPr wrap="square" rtlCol="0">
+            <a:spAutoFit/>
+          </a:bodyPr>
+          <a:lstStyle/>
+          <a:p>
+            <a:pPr algn="ctr"/>
+            <a:r>
+              <a:rPr lang="en-US" sz="3200" b="1" dirty="0">
+                <a:solidFill>
+                  <a:srgbClr val="660033"/>
+                </a:solidFill>
+                <a:latin typeface="Microsoft JhengHei" panose="020B0604030504040204" pitchFamily="34" charset="-120"/>
+                <a:ea typeface="Microsoft JhengHei" panose="020B0604030504040204" pitchFamily="34" charset="-120"/>
+              </a:rPr>
+              <a:t>( </a:t>
+            </a:r>
+            <a:r>
+              <a:rPr lang="zh-CN" altLang="en-US" sz="3200" b="1" dirty="0">
+                <a:solidFill>
+                  <a:srgbClr val="660033"/>
+                </a:solidFill>
+                <a:latin typeface="Microsoft JhengHei" panose="020B0604030504040204" pitchFamily="34" charset="-120"/>
+                <a:ea typeface="Microsoft JhengHei" panose="020B0604030504040204" pitchFamily="34" charset="-120"/>
+              </a:rPr>
+              <a:t>副歌</a:t>
+            </a:r>
+            <a:r>
+              <a:rPr lang="en-US" sz="3200" b="1" dirty="0">
+                <a:solidFill>
+                  <a:srgbClr val="660033"/>
+                </a:solidFill>
+                <a:latin typeface="Microsoft JhengHei" panose="020B0604030504040204" pitchFamily="34" charset="-120"/>
+                <a:ea typeface="Microsoft JhengHei" panose="020B0604030504040204" pitchFamily="34" charset="-120"/>
+              </a:rPr>
+              <a:t> )</a:t>
+            </a:r>
+            <a:endParaRPr lang="vi-VN" sz="3200" b="1" dirty="0">
+              <a:solidFill>
+                <a:srgbClr val="660033"/>
+              </a:solidFill>
+              <a:ea typeface="Microsoft JhengHei" panose="020B0604030504040204" pitchFamily="34" charset="-120"/>
+            </a:endParaRPr>
+          </a:p>
+        </p:txBody>
+      </p:sp>
+    </p:spTree>
+    <p:extLst>
+      <p:ext uri="{BB962C8B-B14F-4D97-AF65-F5344CB8AC3E}">
+        <p14:creationId xmlns:p14="http://schemas.microsoft.com/office/powerpoint/2010/main" val="2519385604"/>
+      </p:ext>
+    </p:extLst>
+  </p:cSld>
+  <p:clrMapOvr>
+    <a:masterClrMapping/>
+  </p:clrMapOvr>
+</p:sld>
+</file>
+
+<file path=ppt/slides/slide47.xml><?xml version="1.0" encoding="utf-8"?>
+<p:sld xmlns:a="http://schemas.openxmlformats.org/drawingml/2006/main" xmlns:r="http://schemas.openxmlformats.org/officeDocument/2006/relationships" xmlns:p="http://schemas.openxmlformats.org/presentationml/2006/main">
+  <p:cSld>
+    <p:spTree>
+      <p:nvGrpSpPr>
+        <p:cNvPr id="1" name=""/>
+        <p:cNvGrpSpPr/>
+        <p:nvPr/>
+      </p:nvGrpSpPr>
+      <p:grpSpPr>
+        <a:xfrm>
+          <a:off x="0" y="0"/>
+          <a:ext cx="0" cy="0"/>
+          <a:chOff x="0" y="0"/>
+          <a:chExt cx="0" cy="0"/>
+        </a:xfrm>
+      </p:grpSpPr>
+      <p:sp>
+        <p:nvSpPr>
+          <p:cNvPr id="5" name="內容版面配置區 4"/>
+          <p:cNvSpPr>
+            <a:spLocks noGrp="1"/>
+          </p:cNvSpPr>
+          <p:nvPr>
+            <p:ph idx="1"/>
+          </p:nvPr>
+        </p:nvSpPr>
+        <p:spPr>
+          <a:xfrm>
+            <a:off x="0" y="2084851"/>
+            <a:ext cx="12192000" cy="2404863"/>
+          </a:xfrm>
+        </p:spPr>
+        <p:txBody>
+          <a:bodyPr anchor="ctr">
+            <a:normAutofit/>
+          </a:bodyPr>
+          <a:lstStyle/>
+          <a:p>
+            <a:pPr algn="ctr">
+              <a:buNone/>
+            </a:pPr>
+            <a:r>
+              <a:rPr lang="zh-TW" altLang="en-US" sz="6400" b="1" dirty="0">
+                <a:solidFill>
+                  <a:srgbClr val="660033"/>
+                </a:solidFill>
+                <a:latin typeface="微軟正黑體" pitchFamily="34" charset="-120"/>
+                <a:ea typeface="微軟正黑體" pitchFamily="34" charset="-120"/>
+              </a:rPr>
+              <a:t>也願祢旨意行在地上</a:t>
+            </a:r>
+            <a:endParaRPr lang="en-US" sz="6400" b="1" dirty="0">
+              <a:solidFill>
+                <a:srgbClr val="660033"/>
+              </a:solidFill>
+              <a:latin typeface="微軟正黑體" pitchFamily="34" charset="-120"/>
+              <a:ea typeface="微軟正黑體" pitchFamily="34" charset="-120"/>
+            </a:endParaRPr>
+          </a:p>
+          <a:p>
+            <a:pPr algn="ctr">
+              <a:buNone/>
+            </a:pPr>
+            <a:r>
+              <a:rPr lang="zh-TW" altLang="en-US" sz="6400" b="1" dirty="0">
+                <a:solidFill>
+                  <a:srgbClr val="660033"/>
+                </a:solidFill>
+                <a:latin typeface="微軟正黑體" pitchFamily="34" charset="-120"/>
+                <a:ea typeface="微軟正黑體" pitchFamily="34" charset="-120"/>
+              </a:rPr>
+              <a:t>如同行在天上</a:t>
+            </a:r>
+            <a:endParaRPr lang="en-US" altLang="zh-TW" sz="6400" b="1" dirty="0">
+              <a:solidFill>
+                <a:srgbClr val="660033"/>
+              </a:solidFill>
+              <a:latin typeface="微軟正黑體" pitchFamily="34" charset="-120"/>
+              <a:ea typeface="微軟正黑體" pitchFamily="34" charset="-120"/>
+            </a:endParaRPr>
+          </a:p>
+        </p:txBody>
+      </p:sp>
+      <p:sp>
+        <p:nvSpPr>
+          <p:cNvPr id="2" name="TextBox 1"/>
+          <p:cNvSpPr txBox="1"/>
+          <p:nvPr/>
+        </p:nvSpPr>
+        <p:spPr>
+          <a:xfrm>
+            <a:off x="0" y="5158596"/>
+            <a:ext cx="12192000" cy="584775"/>
+          </a:xfrm>
+          <a:prstGeom prst="rect">
+            <a:avLst/>
+          </a:prstGeom>
+          <a:noFill/>
+        </p:spPr>
+        <p:txBody>
+          <a:bodyPr wrap="square" rtlCol="0">
+            <a:spAutoFit/>
+          </a:bodyPr>
+          <a:lstStyle/>
+          <a:p>
+            <a:pPr algn="ctr"/>
+            <a:r>
+              <a:rPr lang="en-US" sz="3200" b="1" dirty="0">
+                <a:solidFill>
+                  <a:srgbClr val="660033"/>
+                </a:solidFill>
+                <a:latin typeface="Microsoft JhengHei" panose="020B0604030504040204" pitchFamily="34" charset="-120"/>
+                <a:ea typeface="Microsoft JhengHei" panose="020B0604030504040204" pitchFamily="34" charset="-120"/>
+              </a:rPr>
+              <a:t>( </a:t>
+            </a:r>
+            <a:r>
+              <a:rPr lang="zh-CN" altLang="en-US" sz="3200" b="1" dirty="0">
+                <a:solidFill>
+                  <a:srgbClr val="660033"/>
+                </a:solidFill>
+                <a:latin typeface="Microsoft JhengHei" panose="020B0604030504040204" pitchFamily="34" charset="-120"/>
+                <a:ea typeface="Microsoft JhengHei" panose="020B0604030504040204" pitchFamily="34" charset="-120"/>
+              </a:rPr>
+              <a:t>副歌</a:t>
+            </a:r>
+            <a:r>
+              <a:rPr lang="en-US" sz="3200" b="1" dirty="0">
+                <a:solidFill>
+                  <a:srgbClr val="660033"/>
+                </a:solidFill>
+                <a:latin typeface="Microsoft JhengHei" panose="020B0604030504040204" pitchFamily="34" charset="-120"/>
+                <a:ea typeface="Microsoft JhengHei" panose="020B0604030504040204" pitchFamily="34" charset="-120"/>
+              </a:rPr>
+              <a:t> )</a:t>
+            </a:r>
+            <a:endParaRPr lang="vi-VN" sz="3200" b="1" dirty="0">
+              <a:solidFill>
+                <a:srgbClr val="660033"/>
+              </a:solidFill>
+              <a:ea typeface="Microsoft JhengHei" panose="020B0604030504040204" pitchFamily="34" charset="-120"/>
+            </a:endParaRPr>
+          </a:p>
+        </p:txBody>
+      </p:sp>
+    </p:spTree>
+    <p:extLst>
+      <p:ext uri="{BB962C8B-B14F-4D97-AF65-F5344CB8AC3E}">
+        <p14:creationId xmlns:p14="http://schemas.microsoft.com/office/powerpoint/2010/main" val="3292425820"/>
+      </p:ext>
+    </p:extLst>
+  </p:cSld>
+  <p:clrMapOvr>
+    <a:masterClrMapping/>
+  </p:clrMapOvr>
+</p:sld>
+</file>
+
+<file path=ppt/slides/slide48.xml><?xml version="1.0" encoding="utf-8"?>
+<p:sld xmlns:a="http://schemas.openxmlformats.org/drawingml/2006/main" xmlns:r="http://schemas.openxmlformats.org/officeDocument/2006/relationships" xmlns:p="http://schemas.openxmlformats.org/presentationml/2006/main">
+  <p:cSld>
+    <p:spTree>
+      <p:nvGrpSpPr>
+        <p:cNvPr id="1" name=""/>
+        <p:cNvGrpSpPr/>
+        <p:nvPr/>
+      </p:nvGrpSpPr>
+      <p:grpSpPr>
+        <a:xfrm>
+          <a:off x="0" y="0"/>
+          <a:ext cx="0" cy="0"/>
+          <a:chOff x="0" y="0"/>
+          <a:chExt cx="0" cy="0"/>
+        </a:xfrm>
+      </p:grpSpPr>
+      <p:sp>
+        <p:nvSpPr>
+          <p:cNvPr id="5" name="內容版面配置區 4"/>
+          <p:cNvSpPr>
+            <a:spLocks noGrp="1"/>
+          </p:cNvSpPr>
+          <p:nvPr>
+            <p:ph idx="1"/>
+          </p:nvPr>
+        </p:nvSpPr>
+        <p:spPr>
+          <a:xfrm>
+            <a:off x="0" y="2084851"/>
+            <a:ext cx="12192000" cy="2404863"/>
+          </a:xfrm>
+        </p:spPr>
+        <p:txBody>
+          <a:bodyPr anchor="ctr">
+            <a:normAutofit/>
+          </a:bodyPr>
+          <a:lstStyle/>
+          <a:p>
+            <a:pPr algn="ctr">
+              <a:buNone/>
+            </a:pPr>
+            <a:r>
+              <a:rPr lang="zh-TW" altLang="en-US" sz="6400" b="1" dirty="0">
+                <a:solidFill>
+                  <a:srgbClr val="660033"/>
+                </a:solidFill>
+                <a:latin typeface="微軟正黑體" pitchFamily="34" charset="-120"/>
+                <a:ea typeface="微軟正黑體" pitchFamily="34" charset="-120"/>
+              </a:rPr>
+              <a:t>我們當天所需要的食物</a:t>
+            </a:r>
+            <a:endParaRPr lang="en-US" sz="6400" b="1" dirty="0">
+              <a:solidFill>
+                <a:srgbClr val="660033"/>
+              </a:solidFill>
+              <a:latin typeface="微軟正黑體" pitchFamily="34" charset="-120"/>
+              <a:ea typeface="微軟正黑體" pitchFamily="34" charset="-120"/>
+            </a:endParaRPr>
+          </a:p>
+          <a:p>
+            <a:pPr algn="ctr">
+              <a:buNone/>
+            </a:pPr>
+            <a:r>
+              <a:rPr lang="zh-TW" altLang="en-US" sz="6400" b="1" dirty="0">
+                <a:solidFill>
+                  <a:srgbClr val="660033"/>
+                </a:solidFill>
+                <a:latin typeface="微軟正黑體" pitchFamily="34" charset="-120"/>
+                <a:ea typeface="微軟正黑體" pitchFamily="34" charset="-120"/>
+              </a:rPr>
+              <a:t>求祢賜給我們</a:t>
+            </a:r>
+            <a:endParaRPr lang="en-US" sz="6400" b="1" dirty="0">
+              <a:solidFill>
+                <a:srgbClr val="660033"/>
+              </a:solidFill>
+              <a:latin typeface="微軟正黑體" pitchFamily="34" charset="-120"/>
+              <a:ea typeface="微軟正黑體" pitchFamily="34" charset="-120"/>
+            </a:endParaRPr>
+          </a:p>
+        </p:txBody>
+      </p:sp>
+      <p:sp>
+        <p:nvSpPr>
+          <p:cNvPr id="2" name="TextBox 1"/>
+          <p:cNvSpPr txBox="1"/>
+          <p:nvPr/>
+        </p:nvSpPr>
+        <p:spPr>
+          <a:xfrm>
+            <a:off x="0" y="5158596"/>
+            <a:ext cx="12192000" cy="584775"/>
+          </a:xfrm>
+          <a:prstGeom prst="rect">
+            <a:avLst/>
+          </a:prstGeom>
+          <a:noFill/>
+        </p:spPr>
+        <p:txBody>
+          <a:bodyPr wrap="square" rtlCol="0">
+            <a:spAutoFit/>
+          </a:bodyPr>
+          <a:lstStyle/>
+          <a:p>
+            <a:pPr algn="ctr"/>
+            <a:r>
+              <a:rPr lang="en-US" sz="3200" b="1" dirty="0">
+                <a:solidFill>
+                  <a:srgbClr val="660033"/>
+                </a:solidFill>
+                <a:latin typeface="Microsoft JhengHei" panose="020B0604030504040204" pitchFamily="34" charset="-120"/>
+                <a:ea typeface="Microsoft JhengHei" panose="020B0604030504040204" pitchFamily="34" charset="-120"/>
+              </a:rPr>
+              <a:t>( </a:t>
+            </a:r>
+            <a:r>
+              <a:rPr lang="zh-CN" altLang="en-US" sz="3200" b="1" dirty="0">
+                <a:solidFill>
+                  <a:srgbClr val="660033"/>
+                </a:solidFill>
+                <a:latin typeface="Microsoft JhengHei" panose="020B0604030504040204" pitchFamily="34" charset="-120"/>
+                <a:ea typeface="Microsoft JhengHei" panose="020B0604030504040204" pitchFamily="34" charset="-120"/>
+              </a:rPr>
+              <a:t>副歌</a:t>
+            </a:r>
+            <a:r>
+              <a:rPr lang="en-US" sz="3200" b="1" dirty="0">
+                <a:solidFill>
+                  <a:srgbClr val="660033"/>
+                </a:solidFill>
+                <a:latin typeface="Microsoft JhengHei" panose="020B0604030504040204" pitchFamily="34" charset="-120"/>
+                <a:ea typeface="Microsoft JhengHei" panose="020B0604030504040204" pitchFamily="34" charset="-120"/>
+              </a:rPr>
+              <a:t> )</a:t>
+            </a:r>
+            <a:endParaRPr lang="vi-VN" sz="3200" b="1" dirty="0">
+              <a:solidFill>
+                <a:srgbClr val="660033"/>
+              </a:solidFill>
+              <a:ea typeface="Microsoft JhengHei" panose="020B0604030504040204" pitchFamily="34" charset="-120"/>
+            </a:endParaRPr>
+          </a:p>
+        </p:txBody>
+      </p:sp>
+    </p:spTree>
+    <p:extLst>
+      <p:ext uri="{BB962C8B-B14F-4D97-AF65-F5344CB8AC3E}">
+        <p14:creationId xmlns:p14="http://schemas.microsoft.com/office/powerpoint/2010/main" val="1789867589"/>
+      </p:ext>
+    </p:extLst>
+  </p:cSld>
+  <p:clrMapOvr>
+    <a:masterClrMapping/>
+  </p:clrMapOvr>
+</p:sld>
+</file>
+
+<file path=ppt/slides/slide49.xml><?xml version="1.0" encoding="utf-8"?>
+<p:sld xmlns:a="http://schemas.openxmlformats.org/drawingml/2006/main" xmlns:r="http://schemas.openxmlformats.org/officeDocument/2006/relationships" xmlns:p="http://schemas.openxmlformats.org/presentationml/2006/main">
+  <p:cSld>
+    <p:spTree>
+      <p:nvGrpSpPr>
+        <p:cNvPr id="1" name=""/>
+        <p:cNvGrpSpPr/>
+        <p:nvPr/>
+      </p:nvGrpSpPr>
+      <p:grpSpPr>
+        <a:xfrm>
+          <a:off x="0" y="0"/>
+          <a:ext cx="0" cy="0"/>
+          <a:chOff x="0" y="0"/>
+          <a:chExt cx="0" cy="0"/>
+        </a:xfrm>
+      </p:grpSpPr>
+      <p:sp>
+        <p:nvSpPr>
+          <p:cNvPr id="5" name="內容版面配置區 4"/>
+          <p:cNvSpPr>
+            <a:spLocks noGrp="1"/>
+          </p:cNvSpPr>
+          <p:nvPr>
+            <p:ph idx="1"/>
+          </p:nvPr>
+        </p:nvSpPr>
+        <p:spPr>
+          <a:xfrm>
+            <a:off x="0" y="2084851"/>
+            <a:ext cx="12192000" cy="2404863"/>
+          </a:xfrm>
+        </p:spPr>
+        <p:txBody>
+          <a:bodyPr anchor="ctr">
+            <a:normAutofit/>
+          </a:bodyPr>
+          <a:lstStyle/>
+          <a:p>
+            <a:pPr algn="ctr">
+              <a:buNone/>
+            </a:pPr>
+            <a:r>
+              <a:rPr lang="zh-TW" altLang="en-US" sz="6400" b="1" dirty="0">
+                <a:solidFill>
+                  <a:srgbClr val="660033"/>
+                </a:solidFill>
+                <a:latin typeface="微軟正黑體" pitchFamily="34" charset="-120"/>
+                <a:ea typeface="微軟正黑體" pitchFamily="34" charset="-120"/>
+              </a:rPr>
+              <a:t>免我們的債</a:t>
+            </a:r>
+            <a:endParaRPr lang="en-US" sz="6400" b="1" dirty="0">
+              <a:solidFill>
+                <a:srgbClr val="660033"/>
+              </a:solidFill>
+              <a:latin typeface="微軟正黑體" pitchFamily="34" charset="-120"/>
+              <a:ea typeface="微軟正黑體" pitchFamily="34" charset="-120"/>
+            </a:endParaRPr>
+          </a:p>
+          <a:p>
+            <a:pPr algn="ctr">
+              <a:buNone/>
+            </a:pPr>
+            <a:r>
+              <a:rPr lang="zh-TW" altLang="en-US" sz="6400" b="1" dirty="0">
+                <a:solidFill>
+                  <a:srgbClr val="660033"/>
+                </a:solidFill>
+                <a:latin typeface="微軟正黑體" pitchFamily="34" charset="-120"/>
+                <a:ea typeface="微軟正黑體" pitchFamily="34" charset="-120"/>
+              </a:rPr>
+              <a:t>如同我們免去人的債</a:t>
+            </a:r>
+            <a:endParaRPr lang="en-US" altLang="zh-TW" sz="6400" b="1" dirty="0">
+              <a:solidFill>
+                <a:srgbClr val="660033"/>
+              </a:solidFill>
+              <a:latin typeface="微軟正黑體" pitchFamily="34" charset="-120"/>
+              <a:ea typeface="微軟正黑體" pitchFamily="34" charset="-120"/>
+            </a:endParaRPr>
+          </a:p>
+        </p:txBody>
+      </p:sp>
+      <p:sp>
+        <p:nvSpPr>
+          <p:cNvPr id="2" name="TextBox 1"/>
+          <p:cNvSpPr txBox="1"/>
+          <p:nvPr/>
+        </p:nvSpPr>
+        <p:spPr>
+          <a:xfrm>
+            <a:off x="0" y="5158596"/>
+            <a:ext cx="12192000" cy="584775"/>
+          </a:xfrm>
+          <a:prstGeom prst="rect">
+            <a:avLst/>
+          </a:prstGeom>
+          <a:noFill/>
+        </p:spPr>
+        <p:txBody>
+          <a:bodyPr wrap="square" rtlCol="0">
+            <a:spAutoFit/>
+          </a:bodyPr>
+          <a:lstStyle/>
+          <a:p>
+            <a:pPr algn="ctr"/>
+            <a:r>
+              <a:rPr lang="en-US" sz="3200" b="1" dirty="0">
+                <a:solidFill>
+                  <a:srgbClr val="660033"/>
+                </a:solidFill>
+                <a:latin typeface="Microsoft JhengHei" panose="020B0604030504040204" pitchFamily="34" charset="-120"/>
+                <a:ea typeface="Microsoft JhengHei" panose="020B0604030504040204" pitchFamily="34" charset="-120"/>
+              </a:rPr>
+              <a:t>( </a:t>
+            </a:r>
+            <a:r>
+              <a:rPr lang="zh-CN" altLang="en-US" sz="3200" b="1" dirty="0">
+                <a:solidFill>
+                  <a:srgbClr val="660033"/>
+                </a:solidFill>
+                <a:latin typeface="Microsoft JhengHei" panose="020B0604030504040204" pitchFamily="34" charset="-120"/>
+                <a:ea typeface="Microsoft JhengHei" panose="020B0604030504040204" pitchFamily="34" charset="-120"/>
+              </a:rPr>
+              <a:t>副歌</a:t>
+            </a:r>
+            <a:r>
+              <a:rPr lang="en-US" sz="3200" b="1" dirty="0">
+                <a:solidFill>
+                  <a:srgbClr val="660033"/>
+                </a:solidFill>
+                <a:latin typeface="Microsoft JhengHei" panose="020B0604030504040204" pitchFamily="34" charset="-120"/>
+                <a:ea typeface="Microsoft JhengHei" panose="020B0604030504040204" pitchFamily="34" charset="-120"/>
+              </a:rPr>
+              <a:t> )</a:t>
+            </a:r>
+            <a:endParaRPr lang="vi-VN" sz="3200" b="1" dirty="0">
+              <a:solidFill>
+                <a:srgbClr val="660033"/>
+              </a:solidFill>
+              <a:ea typeface="Microsoft JhengHei" panose="020B0604030504040204" pitchFamily="34" charset="-120"/>
+            </a:endParaRPr>
+          </a:p>
+        </p:txBody>
+      </p:sp>
+    </p:spTree>
+    <p:extLst>
+      <p:ext uri="{BB962C8B-B14F-4D97-AF65-F5344CB8AC3E}">
+        <p14:creationId xmlns:p14="http://schemas.microsoft.com/office/powerpoint/2010/main" val="3551072003"/>
       </p:ext>
     </p:extLst>
   </p:cSld>
@@ -9008,6 +10227,165 @@
     <p:extLst>
       <p:ext uri="{BB962C8B-B14F-4D97-AF65-F5344CB8AC3E}">
         <p14:creationId xmlns:p14="http://schemas.microsoft.com/office/powerpoint/2010/main" val="2396768134"/>
+      </p:ext>
+    </p:extLst>
+  </p:cSld>
+  <p:clrMapOvr>
+    <a:masterClrMapping/>
+  </p:clrMapOvr>
+</p:sld>
+</file>
+
+<file path=ppt/slides/slide50.xml><?xml version="1.0" encoding="utf-8"?>
+<p:sld xmlns:a="http://schemas.openxmlformats.org/drawingml/2006/main" xmlns:r="http://schemas.openxmlformats.org/officeDocument/2006/relationships" xmlns:p="http://schemas.openxmlformats.org/presentationml/2006/main">
+  <p:cSld>
+    <p:spTree>
+      <p:nvGrpSpPr>
+        <p:cNvPr id="1" name=""/>
+        <p:cNvGrpSpPr/>
+        <p:nvPr/>
+      </p:nvGrpSpPr>
+      <p:grpSpPr>
+        <a:xfrm>
+          <a:off x="0" y="0"/>
+          <a:ext cx="0" cy="0"/>
+          <a:chOff x="0" y="0"/>
+          <a:chExt cx="0" cy="0"/>
+        </a:xfrm>
+      </p:grpSpPr>
+      <p:sp>
+        <p:nvSpPr>
+          <p:cNvPr id="5" name="內容版面配置區 4"/>
+          <p:cNvSpPr>
+            <a:spLocks noGrp="1"/>
+          </p:cNvSpPr>
+          <p:nvPr>
+            <p:ph idx="1"/>
+          </p:nvPr>
+        </p:nvSpPr>
+        <p:spPr>
+          <a:xfrm>
+            <a:off x="0" y="2084851"/>
+            <a:ext cx="12192000" cy="2404863"/>
+          </a:xfrm>
+        </p:spPr>
+        <p:txBody>
+          <a:bodyPr anchor="ctr">
+            <a:normAutofit/>
+          </a:bodyPr>
+          <a:lstStyle/>
+          <a:p>
+            <a:pPr algn="ctr">
+              <a:buNone/>
+            </a:pPr>
+            <a:r>
+              <a:rPr lang="zh-TW" altLang="en-US" sz="6400" b="1" dirty="0">
+                <a:solidFill>
+                  <a:srgbClr val="660033"/>
+                </a:solidFill>
+                <a:latin typeface="微軟正黑體" pitchFamily="34" charset="-120"/>
+                <a:ea typeface="微軟正黑體" pitchFamily="34" charset="-120"/>
+              </a:rPr>
+              <a:t>我們在天上的父</a:t>
+            </a:r>
+            <a:endParaRPr lang="en-US" altLang="zh-TW" sz="6400" b="1" dirty="0">
+              <a:solidFill>
+                <a:srgbClr val="660033"/>
+              </a:solidFill>
+              <a:latin typeface="微軟正黑體" pitchFamily="34" charset="-120"/>
+              <a:ea typeface="微軟正黑體" pitchFamily="34" charset="-120"/>
+            </a:endParaRPr>
+          </a:p>
+          <a:p>
+            <a:pPr algn="ctr">
+              <a:buNone/>
+            </a:pPr>
+            <a:r>
+              <a:rPr lang="zh-TW" altLang="en-US" sz="6400" b="1" dirty="0">
+                <a:solidFill>
+                  <a:srgbClr val="660033"/>
+                </a:solidFill>
+                <a:latin typeface="微軟正黑體" pitchFamily="34" charset="-120"/>
+                <a:ea typeface="微軟正黑體" pitchFamily="34" charset="-120"/>
+              </a:rPr>
+              <a:t>願人都尊祢名為聖</a:t>
+            </a:r>
+            <a:endParaRPr lang="en-US" sz="6400" b="1" dirty="0">
+              <a:solidFill>
+                <a:srgbClr val="660033"/>
+              </a:solidFill>
+              <a:latin typeface="微軟正黑體" pitchFamily="34" charset="-120"/>
+              <a:ea typeface="微軟正黑體" pitchFamily="34" charset="-120"/>
+            </a:endParaRPr>
+          </a:p>
+        </p:txBody>
+      </p:sp>
+      <p:sp>
+        <p:nvSpPr>
+          <p:cNvPr id="2" name="TextBox 1"/>
+          <p:cNvSpPr txBox="1"/>
+          <p:nvPr/>
+        </p:nvSpPr>
+        <p:spPr>
+          <a:xfrm>
+            <a:off x="0" y="5158596"/>
+            <a:ext cx="12192000" cy="584775"/>
+          </a:xfrm>
+          <a:prstGeom prst="rect">
+            <a:avLst/>
+          </a:prstGeom>
+          <a:noFill/>
+        </p:spPr>
+        <p:txBody>
+          <a:bodyPr wrap="square" rtlCol="0">
+            <a:spAutoFit/>
+          </a:bodyPr>
+          <a:lstStyle/>
+          <a:p>
+            <a:pPr algn="ctr"/>
+            <a:r>
+              <a:rPr lang="en-US" sz="3200" b="1" dirty="0">
+                <a:solidFill>
+                  <a:srgbClr val="660033"/>
+                </a:solidFill>
+                <a:latin typeface="Microsoft JhengHei" panose="020B0604030504040204" pitchFamily="34" charset="-120"/>
+                <a:ea typeface="Microsoft JhengHei" panose="020B0604030504040204" pitchFamily="34" charset="-120"/>
+              </a:rPr>
+              <a:t>( </a:t>
+            </a:r>
+            <a:r>
+              <a:rPr lang="zh-CN" altLang="en-US" sz="3200" b="1" dirty="0">
+                <a:solidFill>
+                  <a:srgbClr val="660033"/>
+                </a:solidFill>
+                <a:latin typeface="Microsoft JhengHei" panose="020B0604030504040204" pitchFamily="34" charset="-120"/>
+                <a:ea typeface="Microsoft JhengHei" panose="020B0604030504040204" pitchFamily="34" charset="-120"/>
+              </a:rPr>
+              <a:t>結尾</a:t>
+            </a:r>
+            <a:r>
+              <a:rPr lang="en-US" sz="3200" b="1" dirty="0">
+                <a:solidFill>
+                  <a:srgbClr val="660033"/>
+                </a:solidFill>
+                <a:latin typeface="Microsoft JhengHei" panose="020B0604030504040204" pitchFamily="34" charset="-120"/>
+                <a:ea typeface="Microsoft JhengHei" panose="020B0604030504040204" pitchFamily="34" charset="-120"/>
+              </a:rPr>
+              <a:t> )</a:t>
+            </a:r>
+            <a:endParaRPr lang="vi-VN" sz="3200" b="1" dirty="0">
+              <a:solidFill>
+                <a:srgbClr val="660033"/>
+              </a:solidFill>
+              <a:ea typeface="Microsoft JhengHei" panose="020B0604030504040204" pitchFamily="34" charset="-120"/>
+            </a:endParaRPr>
+          </a:p>
+        </p:txBody>
+      </p:sp>
+    </p:spTree>
+    <p:extLst>
+      <p:ext uri="{BB962C8B-B14F-4D97-AF65-F5344CB8AC3E}">
+        <p14:creationId xmlns:p14="http://schemas.microsoft.com/office/powerpoint/2010/main" val="3578610875"/>
       </p:ext>
     </p:extLst>
   </p:cSld>
